--- a/HeadsInTheCloud.pptx
+++ b/HeadsInTheCloud.pptx
@@ -6,9 +6,12 @@
   </p:sldMasterIdLst>
   <p:sldIdLst>
     <p:sldId id="256" r:id="rId2"/>
-    <p:sldId id="257" r:id="rId3"/>
-    <p:sldId id="258" r:id="rId4"/>
-    <p:sldId id="259" r:id="rId5"/>
+    <p:sldId id="261" r:id="rId3"/>
+    <p:sldId id="262" r:id="rId4"/>
+    <p:sldId id="260" r:id="rId5"/>
+    <p:sldId id="257" r:id="rId6"/>
+    <p:sldId id="258" r:id="rId7"/>
+    <p:sldId id="259" r:id="rId8"/>
   </p:sldIdLst>
   <p:sldSz cx="12192000" cy="6858000"/>
   <p:notesSz cx="6858000" cy="9144000"/>
@@ -2977,9 +2980,14 @@
             <p:ph type="ctrTitle"/>
           </p:nvPr>
         </p:nvSpPr>
-        <p:spPr/>
-        <p:txBody>
-          <a:bodyPr/>
+        <p:spPr>
+          <a:xfrm>
+            <a:off x="1651591" y="181078"/>
+            <a:ext cx="9144000" cy="2387600"/>
+          </a:xfrm>
+        </p:spPr>
+        <p:txBody>
+          <a:bodyPr anchor="t"/>
           <a:lstStyle/>
           <a:p>
             <a:r>
@@ -3000,7 +3008,12 @@
             <p:ph type="subTitle" idx="1"/>
           </p:nvPr>
         </p:nvSpPr>
-        <p:spPr/>
+        <p:spPr>
+          <a:xfrm>
+            <a:off x="1424762" y="2543412"/>
+            <a:ext cx="9144000" cy="1655762"/>
+          </a:xfrm>
+        </p:spPr>
         <p:txBody>
           <a:bodyPr/>
           <a:lstStyle/>
@@ -3012,6 +3025,81 @@
           </a:p>
         </p:txBody>
       </p:sp>
+      <p:grpSp>
+        <p:nvGrpSpPr>
+          <p:cNvPr id="6" name="Group 5"/>
+          <p:cNvGrpSpPr/>
+          <p:nvPr/>
+        </p:nvGrpSpPr>
+        <p:grpSpPr>
+          <a:xfrm>
+            <a:off x="2014922" y="1736556"/>
+            <a:ext cx="2542355" cy="4069236"/>
+            <a:chOff x="590159" y="3005374"/>
+            <a:chExt cx="2542355" cy="4069236"/>
+          </a:xfrm>
+        </p:grpSpPr>
+        <p:pic>
+          <p:nvPicPr>
+            <p:cNvPr id="4" name="Picture 3"/>
+            <p:cNvPicPr>
+              <a:picLocks noChangeAspect="1"/>
+            </p:cNvPicPr>
+            <p:nvPr/>
+          </p:nvPicPr>
+          <p:blipFill>
+            <a:blip r:embed="rId2">
+              <a:extLst>
+                <a:ext uri="{28A0092B-C50C-407E-A947-70E740481C1C}">
+                  <a14:useLocalDpi xmlns:a14="http://schemas.microsoft.com/office/drawing/2010/main" val="0"/>
+                </a:ext>
+              </a:extLst>
+            </a:blip>
+            <a:stretch>
+              <a:fillRect/>
+            </a:stretch>
+          </p:blipFill>
+          <p:spPr>
+            <a:xfrm>
+              <a:off x="590159" y="4635870"/>
+              <a:ext cx="2438740" cy="2438740"/>
+            </a:xfrm>
+            <a:prstGeom prst="rect">
+              <a:avLst/>
+            </a:prstGeom>
+          </p:spPr>
+        </p:pic>
+        <p:pic>
+          <p:nvPicPr>
+            <p:cNvPr id="5" name="Picture 4"/>
+            <p:cNvPicPr>
+              <a:picLocks noChangeAspect="1"/>
+            </p:cNvPicPr>
+            <p:nvPr/>
+          </p:nvPicPr>
+          <p:blipFill>
+            <a:blip r:embed="rId3">
+              <a:extLst>
+                <a:ext uri="{28A0092B-C50C-407E-A947-70E740481C1C}">
+                  <a14:useLocalDpi xmlns:a14="http://schemas.microsoft.com/office/drawing/2010/main" val="0"/>
+                </a:ext>
+              </a:extLst>
+            </a:blip>
+            <a:stretch>
+              <a:fillRect/>
+            </a:stretch>
+          </p:blipFill>
+          <p:spPr>
+            <a:xfrm>
+              <a:off x="693774" y="3005374"/>
+              <a:ext cx="2438740" cy="2438740"/>
+            </a:xfrm>
+            <a:prstGeom prst="rect">
+              <a:avLst/>
+            </a:prstGeom>
+          </p:spPr>
+        </p:pic>
+      </p:grpSp>
     </p:spTree>
     <p:extLst>
       <p:ext uri="{BB962C8B-B14F-4D97-AF65-F5344CB8AC3E}">
@@ -3059,50 +3147,77 @@
           <a:p>
             <a:r>
               <a:rPr lang="en-US" dirty="0"/>
-              <a:t>Why </a:t>
-            </a:r>
+              <a:t>Heads in the cloud	</a:t>
+            </a:r>
+          </a:p>
+        </p:txBody>
+      </p:sp>
+      <p:sp>
+        <p:nvSpPr>
+          <p:cNvPr id="3" name="Content Placeholder 2"/>
+          <p:cNvSpPr>
+            <a:spLocks noGrp="1"/>
+          </p:cNvSpPr>
+          <p:nvPr>
+            <p:ph idx="1"/>
+          </p:nvPr>
+        </p:nvSpPr>
+        <p:spPr/>
+        <p:txBody>
+          <a:bodyPr/>
+          <a:lstStyle/>
+          <a:p>
+            <a:r>
+              <a:rPr lang="en-US" dirty="0"/>
+              <a:t>Cross platform UI</a:t>
+            </a:r>
+          </a:p>
+          <a:p>
+            <a:r>
+              <a:rPr lang="en-US" dirty="0"/>
+              <a:t>Leveraging </a:t>
+            </a:r>
+            <a:r>
+              <a:rPr lang="en-US" dirty="0" err="1"/>
+              <a:t>Xamarin.Forms</a:t>
+            </a:r>
+            <a:endParaRPr lang="en-US" dirty="0"/>
+          </a:p>
+          <a:p>
+            <a:r>
+              <a:rPr lang="en-US" dirty="0"/>
+              <a:t>Azure Mobile Apps as the backend</a:t>
+            </a:r>
+          </a:p>
+          <a:p>
             <a:r>
               <a:rPr lang="en-US" dirty="0" err="1"/>
               <a:t>Xamarin</a:t>
             </a:r>
-            <a:endParaRPr lang="en-US" dirty="0"/>
-          </a:p>
-        </p:txBody>
-      </p:sp>
-      <p:sp>
-        <p:nvSpPr>
-          <p:cNvPr id="3" name="Content Placeholder 2"/>
-          <p:cNvSpPr>
-            <a:spLocks noGrp="1"/>
-          </p:cNvSpPr>
-          <p:nvPr>
-            <p:ph idx="1"/>
-          </p:nvPr>
-        </p:nvSpPr>
-        <p:spPr/>
-        <p:txBody>
-          <a:bodyPr/>
-          <a:lstStyle/>
-          <a:p>
             <a:r>
               <a:rPr lang="en-US" dirty="0"/>
-              <a:t>X-platform framework</a:t>
+              <a:t> plugins (adding camera support)</a:t>
             </a:r>
           </a:p>
           <a:p>
             <a:r>
               <a:rPr lang="en-US" dirty="0"/>
-              <a:t>Build once for iOS, Android &amp; Windows</a:t>
+              <a:t>Architecture and best practices</a:t>
             </a:r>
           </a:p>
           <a:p>
             <a:r>
               <a:rPr lang="en-US" dirty="0"/>
-              <a:t>Native performance</a:t>
-            </a:r>
-          </a:p>
-          <a:p>
-            <a:endParaRPr lang="en-US" dirty="0"/>
+              <a:t>Testing using the cloud with </a:t>
+            </a:r>
+            <a:r>
+              <a:rPr lang="en-US" dirty="0" err="1"/>
+              <a:t>Xamarin</a:t>
+            </a:r>
+            <a:r>
+              <a:rPr lang="en-US" dirty="0"/>
+              <a:t> Test Cloud</a:t>
+            </a:r>
           </a:p>
           <a:p>
             <a:endParaRPr lang="en-US" dirty="0"/>
@@ -3112,7 +3227,7 @@
     </p:spTree>
     <p:extLst>
       <p:ext uri="{BB962C8B-B14F-4D97-AF65-F5344CB8AC3E}">
-        <p14:creationId xmlns:p14="http://schemas.microsoft.com/office/powerpoint/2010/main" val="926998775"/>
+        <p14:creationId xmlns:p14="http://schemas.microsoft.com/office/powerpoint/2010/main" val="2092563346"/>
       </p:ext>
     </p:extLst>
   </p:cSld>
@@ -3139,6 +3254,734 @@
           <a:chExt cx="0" cy="0"/>
         </a:xfrm>
       </p:grpSpPr>
+      <p:cxnSp>
+        <p:nvCxnSpPr>
+          <p:cNvPr id="18" name="Connector: Elbow 17"/>
+          <p:cNvCxnSpPr>
+            <a:cxnSpLocks/>
+            <a:endCxn id="11" idx="2"/>
+          </p:cNvCxnSpPr>
+          <p:nvPr/>
+        </p:nvCxnSpPr>
+        <p:spPr>
+          <a:xfrm rot="16200000" flipV="1">
+            <a:off x="5110714" y="2626236"/>
+            <a:ext cx="1282996" cy="1"/>
+          </a:xfrm>
+          <a:prstGeom prst="bentConnector3">
+            <a:avLst>
+              <a:gd name="adj1" fmla="val 50000"/>
+            </a:avLst>
+          </a:prstGeom>
+          <a:ln w="76200">
+            <a:tailEnd type="triangle"/>
+          </a:ln>
+        </p:spPr>
+        <p:style>
+          <a:lnRef idx="1">
+            <a:schemeClr val="accent1"/>
+          </a:lnRef>
+          <a:fillRef idx="0">
+            <a:schemeClr val="accent1"/>
+          </a:fillRef>
+          <a:effectRef idx="0">
+            <a:schemeClr val="accent1"/>
+          </a:effectRef>
+          <a:fontRef idx="minor">
+            <a:schemeClr val="tx1"/>
+          </a:fontRef>
+        </p:style>
+      </p:cxnSp>
+      <p:sp>
+        <p:nvSpPr>
+          <p:cNvPr id="4" name="Rectangle 3"/>
+          <p:cNvSpPr/>
+          <p:nvPr/>
+        </p:nvSpPr>
+        <p:spPr>
+          <a:xfrm>
+            <a:off x="4589718" y="3083436"/>
+            <a:ext cx="2324986" cy="3487479"/>
+          </a:xfrm>
+          <a:prstGeom prst="rect">
+            <a:avLst/>
+          </a:prstGeom>
+        </p:spPr>
+        <p:style>
+          <a:lnRef idx="2">
+            <a:schemeClr val="accent1">
+              <a:shade val="50000"/>
+            </a:schemeClr>
+          </a:lnRef>
+          <a:fillRef idx="1">
+            <a:schemeClr val="accent1"/>
+          </a:fillRef>
+          <a:effectRef idx="0">
+            <a:schemeClr val="accent1"/>
+          </a:effectRef>
+          <a:fontRef idx="minor">
+            <a:schemeClr val="lt1"/>
+          </a:fontRef>
+        </p:style>
+        <p:txBody>
+          <a:bodyPr rtlCol="0" anchor="t"/>
+          <a:lstStyle/>
+          <a:p>
+            <a:pPr algn="ctr"/>
+            <a:r>
+              <a:rPr lang="en-US" dirty="0"/>
+              <a:t>Portable Class library</a:t>
+            </a:r>
+          </a:p>
+        </p:txBody>
+      </p:sp>
+      <p:sp>
+        <p:nvSpPr>
+          <p:cNvPr id="5" name="Rectangle 4"/>
+          <p:cNvSpPr/>
+          <p:nvPr/>
+        </p:nvSpPr>
+        <p:spPr>
+          <a:xfrm>
+            <a:off x="4791734" y="4160865"/>
+            <a:ext cx="1981200" cy="964017"/>
+          </a:xfrm>
+          <a:prstGeom prst="rect">
+            <a:avLst/>
+          </a:prstGeom>
+          <a:solidFill>
+            <a:schemeClr val="accent1">
+              <a:lumMod val="75000"/>
+            </a:schemeClr>
+          </a:solidFill>
+        </p:spPr>
+        <p:style>
+          <a:lnRef idx="2">
+            <a:schemeClr val="accent1">
+              <a:shade val="50000"/>
+            </a:schemeClr>
+          </a:lnRef>
+          <a:fillRef idx="1">
+            <a:schemeClr val="accent1"/>
+          </a:fillRef>
+          <a:effectRef idx="0">
+            <a:schemeClr val="accent1"/>
+          </a:effectRef>
+          <a:fontRef idx="minor">
+            <a:schemeClr val="lt1"/>
+          </a:fontRef>
+        </p:style>
+        <p:txBody>
+          <a:bodyPr rtlCol="0" anchor="t"/>
+          <a:lstStyle/>
+          <a:p>
+            <a:pPr algn="ctr"/>
+            <a:r>
+              <a:rPr lang="en-US" dirty="0"/>
+              <a:t>App Logic </a:t>
+            </a:r>
+          </a:p>
+          <a:p>
+            <a:pPr algn="ctr"/>
+            <a:r>
+              <a:rPr lang="en-US" dirty="0"/>
+              <a:t>+</a:t>
+            </a:r>
+          </a:p>
+          <a:p>
+            <a:pPr algn="ctr"/>
+            <a:r>
+              <a:rPr lang="en-US" dirty="0"/>
+              <a:t>MVVM</a:t>
+            </a:r>
+          </a:p>
+        </p:txBody>
+      </p:sp>
+      <p:sp>
+        <p:nvSpPr>
+          <p:cNvPr id="6" name="Rectangle 5"/>
+          <p:cNvSpPr/>
+          <p:nvPr/>
+        </p:nvSpPr>
+        <p:spPr>
+          <a:xfrm>
+            <a:off x="4784646" y="3576074"/>
+            <a:ext cx="1981200" cy="517451"/>
+          </a:xfrm>
+          <a:prstGeom prst="rect">
+            <a:avLst/>
+          </a:prstGeom>
+          <a:solidFill>
+            <a:schemeClr val="accent1">
+              <a:lumMod val="75000"/>
+            </a:schemeClr>
+          </a:solidFill>
+        </p:spPr>
+        <p:style>
+          <a:lnRef idx="2">
+            <a:schemeClr val="accent1">
+              <a:shade val="50000"/>
+            </a:schemeClr>
+          </a:lnRef>
+          <a:fillRef idx="1">
+            <a:schemeClr val="accent1"/>
+          </a:fillRef>
+          <a:effectRef idx="0">
+            <a:schemeClr val="accent1"/>
+          </a:effectRef>
+          <a:fontRef idx="minor">
+            <a:schemeClr val="lt1"/>
+          </a:fontRef>
+        </p:style>
+        <p:txBody>
+          <a:bodyPr rtlCol="0" anchor="t"/>
+          <a:lstStyle/>
+          <a:p>
+            <a:pPr algn="ctr"/>
+            <a:r>
+              <a:rPr lang="en-US" dirty="0"/>
+              <a:t>App UI</a:t>
+            </a:r>
+          </a:p>
+        </p:txBody>
+      </p:sp>
+      <p:sp>
+        <p:nvSpPr>
+          <p:cNvPr id="8" name="Rectangle 7"/>
+          <p:cNvSpPr/>
+          <p:nvPr/>
+        </p:nvSpPr>
+        <p:spPr>
+          <a:xfrm>
+            <a:off x="4789964" y="5777013"/>
+            <a:ext cx="1981200" cy="517451"/>
+          </a:xfrm>
+          <a:prstGeom prst="rect">
+            <a:avLst/>
+          </a:prstGeom>
+          <a:solidFill>
+            <a:schemeClr val="accent1">
+              <a:lumMod val="75000"/>
+            </a:schemeClr>
+          </a:solidFill>
+        </p:spPr>
+        <p:style>
+          <a:lnRef idx="2">
+            <a:schemeClr val="accent1">
+              <a:shade val="50000"/>
+            </a:schemeClr>
+          </a:lnRef>
+          <a:fillRef idx="1">
+            <a:schemeClr val="accent1"/>
+          </a:fillRef>
+          <a:effectRef idx="0">
+            <a:schemeClr val="accent1"/>
+          </a:effectRef>
+          <a:fontRef idx="minor">
+            <a:schemeClr val="lt1"/>
+          </a:fontRef>
+        </p:style>
+        <p:txBody>
+          <a:bodyPr rtlCol="0" anchor="t"/>
+          <a:lstStyle/>
+          <a:p>
+            <a:pPr algn="ctr"/>
+            <a:r>
+              <a:rPr lang="en-US" dirty="0"/>
+              <a:t>Azure Client</a:t>
+            </a:r>
+          </a:p>
+        </p:txBody>
+      </p:sp>
+      <p:sp>
+        <p:nvSpPr>
+          <p:cNvPr id="9" name="Rectangle 8"/>
+          <p:cNvSpPr/>
+          <p:nvPr/>
+        </p:nvSpPr>
+        <p:spPr>
+          <a:xfrm>
+            <a:off x="1970565" y="870085"/>
+            <a:ext cx="2324986" cy="1114654"/>
+          </a:xfrm>
+          <a:prstGeom prst="rect">
+            <a:avLst/>
+          </a:prstGeom>
+        </p:spPr>
+        <p:style>
+          <a:lnRef idx="2">
+            <a:schemeClr val="accent1">
+              <a:shade val="50000"/>
+            </a:schemeClr>
+          </a:lnRef>
+          <a:fillRef idx="1">
+            <a:schemeClr val="accent1"/>
+          </a:fillRef>
+          <a:effectRef idx="0">
+            <a:schemeClr val="accent1"/>
+          </a:effectRef>
+          <a:fontRef idx="minor">
+            <a:schemeClr val="lt1"/>
+          </a:fontRef>
+        </p:style>
+        <p:txBody>
+          <a:bodyPr rtlCol="0" anchor="t"/>
+          <a:lstStyle/>
+          <a:p>
+            <a:pPr algn="ctr"/>
+            <a:r>
+              <a:rPr lang="en-US" dirty="0"/>
+              <a:t>Windows App</a:t>
+            </a:r>
+          </a:p>
+        </p:txBody>
+      </p:sp>
+      <p:sp>
+        <p:nvSpPr>
+          <p:cNvPr id="11" name="Rectangle 10"/>
+          <p:cNvSpPr/>
+          <p:nvPr/>
+        </p:nvSpPr>
+        <p:spPr>
+          <a:xfrm>
+            <a:off x="4589718" y="870085"/>
+            <a:ext cx="2324986" cy="1114654"/>
+          </a:xfrm>
+          <a:prstGeom prst="rect">
+            <a:avLst/>
+          </a:prstGeom>
+        </p:spPr>
+        <p:style>
+          <a:lnRef idx="2">
+            <a:schemeClr val="accent1">
+              <a:shade val="50000"/>
+            </a:schemeClr>
+          </a:lnRef>
+          <a:fillRef idx="1">
+            <a:schemeClr val="accent1"/>
+          </a:fillRef>
+          <a:effectRef idx="0">
+            <a:schemeClr val="accent1"/>
+          </a:effectRef>
+          <a:fontRef idx="minor">
+            <a:schemeClr val="lt1"/>
+          </a:fontRef>
+        </p:style>
+        <p:txBody>
+          <a:bodyPr rtlCol="0" anchor="t"/>
+          <a:lstStyle/>
+          <a:p>
+            <a:pPr algn="ctr"/>
+            <a:r>
+              <a:rPr lang="en-US" dirty="0"/>
+              <a:t>Android App</a:t>
+            </a:r>
+          </a:p>
+        </p:txBody>
+      </p:sp>
+      <p:sp>
+        <p:nvSpPr>
+          <p:cNvPr id="12" name="Rectangle 11"/>
+          <p:cNvSpPr/>
+          <p:nvPr/>
+        </p:nvSpPr>
+        <p:spPr>
+          <a:xfrm>
+            <a:off x="7134444" y="870085"/>
+            <a:ext cx="2324986" cy="1114654"/>
+          </a:xfrm>
+          <a:prstGeom prst="rect">
+            <a:avLst/>
+          </a:prstGeom>
+        </p:spPr>
+        <p:style>
+          <a:lnRef idx="2">
+            <a:schemeClr val="accent1">
+              <a:shade val="50000"/>
+            </a:schemeClr>
+          </a:lnRef>
+          <a:fillRef idx="1">
+            <a:schemeClr val="accent1"/>
+          </a:fillRef>
+          <a:effectRef idx="0">
+            <a:schemeClr val="accent1"/>
+          </a:effectRef>
+          <a:fontRef idx="minor">
+            <a:schemeClr val="lt1"/>
+          </a:fontRef>
+        </p:style>
+        <p:txBody>
+          <a:bodyPr rtlCol="0" anchor="t"/>
+          <a:lstStyle/>
+          <a:p>
+            <a:pPr algn="ctr"/>
+            <a:r>
+              <a:rPr lang="en-US" dirty="0"/>
+              <a:t>iOS App</a:t>
+            </a:r>
+          </a:p>
+        </p:txBody>
+      </p:sp>
+      <p:sp>
+        <p:nvSpPr>
+          <p:cNvPr id="13" name="Rectangle 12"/>
+          <p:cNvSpPr/>
+          <p:nvPr/>
+        </p:nvSpPr>
+        <p:spPr>
+          <a:xfrm>
+            <a:off x="4789964" y="5192222"/>
+            <a:ext cx="1981200" cy="517451"/>
+          </a:xfrm>
+          <a:prstGeom prst="rect">
+            <a:avLst/>
+          </a:prstGeom>
+          <a:solidFill>
+            <a:schemeClr val="accent1">
+              <a:lumMod val="75000"/>
+            </a:schemeClr>
+          </a:solidFill>
+        </p:spPr>
+        <p:style>
+          <a:lnRef idx="2">
+            <a:schemeClr val="accent1">
+              <a:shade val="50000"/>
+            </a:schemeClr>
+          </a:lnRef>
+          <a:fillRef idx="1">
+            <a:schemeClr val="accent1"/>
+          </a:fillRef>
+          <a:effectRef idx="0">
+            <a:schemeClr val="accent1"/>
+          </a:effectRef>
+          <a:fontRef idx="minor">
+            <a:schemeClr val="lt1"/>
+          </a:fontRef>
+        </p:style>
+        <p:txBody>
+          <a:bodyPr rtlCol="0" anchor="t"/>
+          <a:lstStyle/>
+          <a:p>
+            <a:pPr algn="ctr"/>
+            <a:r>
+              <a:rPr lang="en-US" dirty="0"/>
+              <a:t>Camera plugin</a:t>
+            </a:r>
+          </a:p>
+        </p:txBody>
+      </p:sp>
+      <p:cxnSp>
+        <p:nvCxnSpPr>
+          <p:cNvPr id="15" name="Connector: Elbow 14"/>
+          <p:cNvCxnSpPr>
+            <a:cxnSpLocks/>
+          </p:cNvCxnSpPr>
+          <p:nvPr/>
+        </p:nvCxnSpPr>
+        <p:spPr>
+          <a:xfrm rot="10800000">
+            <a:off x="3133058" y="1984739"/>
+            <a:ext cx="1456660" cy="2842437"/>
+          </a:xfrm>
+          <a:prstGeom prst="bentConnector2">
+            <a:avLst/>
+          </a:prstGeom>
+          <a:ln w="76200">
+            <a:tailEnd type="triangle"/>
+          </a:ln>
+        </p:spPr>
+        <p:style>
+          <a:lnRef idx="1">
+            <a:schemeClr val="accent1"/>
+          </a:lnRef>
+          <a:fillRef idx="0">
+            <a:schemeClr val="accent1"/>
+          </a:fillRef>
+          <a:effectRef idx="0">
+            <a:schemeClr val="accent1"/>
+          </a:effectRef>
+          <a:fontRef idx="minor">
+            <a:schemeClr val="tx1"/>
+          </a:fontRef>
+        </p:style>
+      </p:cxnSp>
+      <p:cxnSp>
+        <p:nvCxnSpPr>
+          <p:cNvPr id="24" name="Connector: Elbow 23"/>
+          <p:cNvCxnSpPr>
+            <a:cxnSpLocks/>
+            <a:stCxn id="4" idx="3"/>
+            <a:endCxn id="12" idx="2"/>
+          </p:cNvCxnSpPr>
+          <p:nvPr/>
+        </p:nvCxnSpPr>
+        <p:spPr>
+          <a:xfrm flipV="1">
+            <a:off x="6914704" y="1984739"/>
+            <a:ext cx="1382233" cy="2842437"/>
+          </a:xfrm>
+          <a:prstGeom prst="bentConnector2">
+            <a:avLst/>
+          </a:prstGeom>
+          <a:ln w="76200">
+            <a:tailEnd type="triangle"/>
+          </a:ln>
+        </p:spPr>
+        <p:style>
+          <a:lnRef idx="1">
+            <a:schemeClr val="accent1"/>
+          </a:lnRef>
+          <a:fillRef idx="0">
+            <a:schemeClr val="accent1"/>
+          </a:fillRef>
+          <a:effectRef idx="0">
+            <a:schemeClr val="accent1"/>
+          </a:effectRef>
+          <a:fontRef idx="minor">
+            <a:schemeClr val="tx1"/>
+          </a:fontRef>
+        </p:style>
+      </p:cxnSp>
+      <p:sp>
+        <p:nvSpPr>
+          <p:cNvPr id="29" name="Title 1"/>
+          <p:cNvSpPr>
+            <a:spLocks noGrp="1"/>
+          </p:cNvSpPr>
+          <p:nvPr>
+            <p:ph type="title"/>
+          </p:nvPr>
+        </p:nvSpPr>
+        <p:spPr>
+          <a:xfrm>
+            <a:off x="122275" y="-290662"/>
+            <a:ext cx="10515600" cy="1325563"/>
+          </a:xfrm>
+        </p:spPr>
+        <p:txBody>
+          <a:bodyPr/>
+          <a:lstStyle/>
+          <a:p>
+            <a:r>
+              <a:rPr lang="en-US" dirty="0"/>
+              <a:t>Heads in the cloud - Architecture	</a:t>
+            </a:r>
+          </a:p>
+        </p:txBody>
+      </p:sp>
+    </p:spTree>
+    <p:extLst>
+      <p:ext uri="{BB962C8B-B14F-4D97-AF65-F5344CB8AC3E}">
+        <p14:creationId xmlns:p14="http://schemas.microsoft.com/office/powerpoint/2010/main" val="2176448106"/>
+      </p:ext>
+    </p:extLst>
+  </p:cSld>
+  <p:clrMapOvr>
+    <a:masterClrMapping/>
+  </p:clrMapOvr>
+</p:sld>
+</file>
+
+<file path=ppt/slides/slide4.xml><?xml version="1.0" encoding="utf-8"?>
+<p:sld xmlns:a="http://schemas.openxmlformats.org/drawingml/2006/main" xmlns:r="http://schemas.openxmlformats.org/officeDocument/2006/relationships" xmlns:p="http://schemas.openxmlformats.org/presentationml/2006/main">
+  <p:cSld>
+    <p:spTree>
+      <p:nvGrpSpPr>
+        <p:cNvPr id="1" name=""/>
+        <p:cNvGrpSpPr/>
+        <p:nvPr/>
+      </p:nvGrpSpPr>
+      <p:grpSpPr>
+        <a:xfrm>
+          <a:off x="0" y="0"/>
+          <a:ext cx="0" cy="0"/>
+          <a:chOff x="0" y="0"/>
+          <a:chExt cx="0" cy="0"/>
+        </a:xfrm>
+      </p:grpSpPr>
+      <p:sp>
+        <p:nvSpPr>
+          <p:cNvPr id="2" name="Title 1"/>
+          <p:cNvSpPr>
+            <a:spLocks noGrp="1"/>
+          </p:cNvSpPr>
+          <p:nvPr>
+            <p:ph type="title"/>
+          </p:nvPr>
+        </p:nvSpPr>
+        <p:spPr/>
+        <p:txBody>
+          <a:bodyPr/>
+          <a:lstStyle/>
+          <a:p>
+            <a:r>
+              <a:rPr lang="en-US" dirty="0"/>
+              <a:t>Additional features</a:t>
+            </a:r>
+          </a:p>
+        </p:txBody>
+      </p:sp>
+      <p:sp>
+        <p:nvSpPr>
+          <p:cNvPr id="3" name="Content Placeholder 2"/>
+          <p:cNvSpPr>
+            <a:spLocks noGrp="1"/>
+          </p:cNvSpPr>
+          <p:nvPr>
+            <p:ph idx="1"/>
+          </p:nvPr>
+        </p:nvSpPr>
+        <p:spPr/>
+        <p:txBody>
+          <a:bodyPr/>
+          <a:lstStyle/>
+          <a:p>
+            <a:r>
+              <a:rPr lang="en-US" dirty="0"/>
+              <a:t>GPS Data</a:t>
+            </a:r>
+          </a:p>
+          <a:p>
+            <a:r>
+              <a:rPr lang="en-US" dirty="0"/>
+              <a:t>Social media sharing</a:t>
+            </a:r>
+          </a:p>
+          <a:p>
+            <a:r>
+              <a:rPr lang="en-US" dirty="0"/>
+              <a:t>Custom rendering</a:t>
+            </a:r>
+          </a:p>
+        </p:txBody>
+      </p:sp>
+    </p:spTree>
+    <p:extLst>
+      <p:ext uri="{BB962C8B-B14F-4D97-AF65-F5344CB8AC3E}">
+        <p14:creationId xmlns:p14="http://schemas.microsoft.com/office/powerpoint/2010/main" val="1715091460"/>
+      </p:ext>
+    </p:extLst>
+  </p:cSld>
+  <p:clrMapOvr>
+    <a:masterClrMapping/>
+  </p:clrMapOvr>
+</p:sld>
+</file>
+
+<file path=ppt/slides/slide5.xml><?xml version="1.0" encoding="utf-8"?>
+<p:sld xmlns:a="http://schemas.openxmlformats.org/drawingml/2006/main" xmlns:r="http://schemas.openxmlformats.org/officeDocument/2006/relationships" xmlns:p="http://schemas.openxmlformats.org/presentationml/2006/main">
+  <p:cSld>
+    <p:spTree>
+      <p:nvGrpSpPr>
+        <p:cNvPr id="1" name=""/>
+        <p:cNvGrpSpPr/>
+        <p:nvPr/>
+      </p:nvGrpSpPr>
+      <p:grpSpPr>
+        <a:xfrm>
+          <a:off x="0" y="0"/>
+          <a:ext cx="0" cy="0"/>
+          <a:chOff x="0" y="0"/>
+          <a:chExt cx="0" cy="0"/>
+        </a:xfrm>
+      </p:grpSpPr>
+      <p:sp>
+        <p:nvSpPr>
+          <p:cNvPr id="2" name="Title 1"/>
+          <p:cNvSpPr>
+            <a:spLocks noGrp="1"/>
+          </p:cNvSpPr>
+          <p:nvPr>
+            <p:ph type="title"/>
+          </p:nvPr>
+        </p:nvSpPr>
+        <p:spPr/>
+        <p:txBody>
+          <a:bodyPr/>
+          <a:lstStyle/>
+          <a:p>
+            <a:r>
+              <a:rPr lang="en-US" dirty="0"/>
+              <a:t>Why </a:t>
+            </a:r>
+            <a:r>
+              <a:rPr lang="en-US" dirty="0" err="1"/>
+              <a:t>Xamarin</a:t>
+            </a:r>
+            <a:endParaRPr lang="en-US" dirty="0"/>
+          </a:p>
+        </p:txBody>
+      </p:sp>
+      <p:sp>
+        <p:nvSpPr>
+          <p:cNvPr id="3" name="Content Placeholder 2"/>
+          <p:cNvSpPr>
+            <a:spLocks noGrp="1"/>
+          </p:cNvSpPr>
+          <p:nvPr>
+            <p:ph idx="1"/>
+          </p:nvPr>
+        </p:nvSpPr>
+        <p:spPr/>
+        <p:txBody>
+          <a:bodyPr/>
+          <a:lstStyle/>
+          <a:p>
+            <a:r>
+              <a:rPr lang="en-US" dirty="0"/>
+              <a:t>X-platform framework</a:t>
+            </a:r>
+          </a:p>
+          <a:p>
+            <a:r>
+              <a:rPr lang="en-US" dirty="0"/>
+              <a:t>Build once for iOS, Android &amp; Windows</a:t>
+            </a:r>
+          </a:p>
+          <a:p>
+            <a:r>
+              <a:rPr lang="en-US" dirty="0"/>
+              <a:t>Native performance</a:t>
+            </a:r>
+          </a:p>
+          <a:p>
+            <a:endParaRPr lang="en-US" dirty="0"/>
+          </a:p>
+          <a:p>
+            <a:endParaRPr lang="en-US" dirty="0"/>
+          </a:p>
+        </p:txBody>
+      </p:sp>
+    </p:spTree>
+    <p:extLst>
+      <p:ext uri="{BB962C8B-B14F-4D97-AF65-F5344CB8AC3E}">
+        <p14:creationId xmlns:p14="http://schemas.microsoft.com/office/powerpoint/2010/main" val="926998775"/>
+      </p:ext>
+    </p:extLst>
+  </p:cSld>
+  <p:clrMapOvr>
+    <a:masterClrMapping/>
+  </p:clrMapOvr>
+</p:sld>
+</file>
+
+<file path=ppt/slides/slide6.xml><?xml version="1.0" encoding="utf-8"?>
+<p:sld xmlns:a="http://schemas.openxmlformats.org/drawingml/2006/main" xmlns:r="http://schemas.openxmlformats.org/officeDocument/2006/relationships" xmlns:p="http://schemas.openxmlformats.org/presentationml/2006/main">
+  <p:cSld>
+    <p:spTree>
+      <p:nvGrpSpPr>
+        <p:cNvPr id="1" name=""/>
+        <p:cNvGrpSpPr/>
+        <p:nvPr/>
+      </p:nvGrpSpPr>
+      <p:grpSpPr>
+        <a:xfrm>
+          <a:off x="0" y="0"/>
+          <a:ext cx="0" cy="0"/>
+          <a:chOff x="0" y="0"/>
+          <a:chExt cx="0" cy="0"/>
+        </a:xfrm>
+      </p:grpSpPr>
       <p:sp>
         <p:nvSpPr>
           <p:cNvPr id="2" name="Title 1"/>
@@ -3225,7 +4068,7 @@
 </p:sld>
 </file>
 
-<file path=ppt/slides/slide4.xml><?xml version="1.0" encoding="utf-8"?>
+<file path=ppt/slides/slide7.xml><?xml version="1.0" encoding="utf-8"?>
 <p:sld xmlns:a="http://schemas.openxmlformats.org/drawingml/2006/main" xmlns:r="http://schemas.openxmlformats.org/officeDocument/2006/relationships" xmlns:p="http://schemas.openxmlformats.org/presentationml/2006/main">
   <p:cSld>
     <p:spTree>

--- a/HeadsInTheCloud.pptx
+++ b/HeadsInTheCloud.pptx
@@ -3769,6 +3769,182 @@
           </a:p>
         </p:txBody>
       </p:sp>
+      <p:sp>
+        <p:nvSpPr>
+          <p:cNvPr id="30" name="Rectangle 29"/>
+          <p:cNvSpPr/>
+          <p:nvPr/>
+        </p:nvSpPr>
+        <p:spPr>
+          <a:xfrm>
+            <a:off x="9239690" y="2225740"/>
+            <a:ext cx="2324986" cy="3487479"/>
+          </a:xfrm>
+          <a:prstGeom prst="rect">
+            <a:avLst/>
+          </a:prstGeom>
+        </p:spPr>
+        <p:style>
+          <a:lnRef idx="2">
+            <a:schemeClr val="accent1">
+              <a:shade val="50000"/>
+            </a:schemeClr>
+          </a:lnRef>
+          <a:fillRef idx="1">
+            <a:schemeClr val="accent1"/>
+          </a:fillRef>
+          <a:effectRef idx="0">
+            <a:schemeClr val="accent1"/>
+          </a:effectRef>
+          <a:fontRef idx="minor">
+            <a:schemeClr val="lt1"/>
+          </a:fontRef>
+        </p:style>
+        <p:txBody>
+          <a:bodyPr rtlCol="0" anchor="t"/>
+          <a:lstStyle/>
+          <a:p>
+            <a:pPr algn="ctr"/>
+            <a:r>
+              <a:rPr lang="en-US" dirty="0"/>
+              <a:t>Azure Backend</a:t>
+            </a:r>
+          </a:p>
+        </p:txBody>
+      </p:sp>
+      <p:sp>
+        <p:nvSpPr>
+          <p:cNvPr id="31" name="Rectangle 30"/>
+          <p:cNvSpPr/>
+          <p:nvPr/>
+        </p:nvSpPr>
+        <p:spPr>
+          <a:xfrm>
+            <a:off x="9459428" y="2721932"/>
+            <a:ext cx="1981200" cy="517451"/>
+          </a:xfrm>
+          <a:prstGeom prst="rect">
+            <a:avLst/>
+          </a:prstGeom>
+          <a:solidFill>
+            <a:schemeClr val="accent1">
+              <a:lumMod val="75000"/>
+            </a:schemeClr>
+          </a:solidFill>
+        </p:spPr>
+        <p:style>
+          <a:lnRef idx="2">
+            <a:schemeClr val="accent1">
+              <a:shade val="50000"/>
+            </a:schemeClr>
+          </a:lnRef>
+          <a:fillRef idx="1">
+            <a:schemeClr val="accent1"/>
+          </a:fillRef>
+          <a:effectRef idx="0">
+            <a:schemeClr val="accent1"/>
+          </a:effectRef>
+          <a:fontRef idx="minor">
+            <a:schemeClr val="lt1"/>
+          </a:fontRef>
+        </p:style>
+        <p:txBody>
+          <a:bodyPr rtlCol="0" anchor="t"/>
+          <a:lstStyle/>
+          <a:p>
+            <a:pPr algn="ctr"/>
+            <a:r>
+              <a:rPr lang="en-US" dirty="0"/>
+              <a:t>Selfie storage</a:t>
+            </a:r>
+          </a:p>
+        </p:txBody>
+      </p:sp>
+      <p:cxnSp>
+        <p:nvCxnSpPr>
+          <p:cNvPr id="32" name="Connector: Elbow 31"/>
+          <p:cNvCxnSpPr>
+            <a:cxnSpLocks/>
+            <a:stCxn id="8" idx="3"/>
+            <a:endCxn id="30" idx="2"/>
+          </p:cNvCxnSpPr>
+          <p:nvPr/>
+        </p:nvCxnSpPr>
+        <p:spPr>
+          <a:xfrm flipV="1">
+            <a:off x="6771164" y="5713219"/>
+            <a:ext cx="3631019" cy="322520"/>
+          </a:xfrm>
+          <a:prstGeom prst="bentConnector2">
+            <a:avLst/>
+          </a:prstGeom>
+          <a:ln w="76200">
+            <a:tailEnd type="triangle"/>
+          </a:ln>
+        </p:spPr>
+        <p:style>
+          <a:lnRef idx="1">
+            <a:schemeClr val="accent1"/>
+          </a:lnRef>
+          <a:fillRef idx="0">
+            <a:schemeClr val="accent1"/>
+          </a:fillRef>
+          <a:effectRef idx="0">
+            <a:schemeClr val="accent1"/>
+          </a:effectRef>
+          <a:fontRef idx="minor">
+            <a:schemeClr val="tx1"/>
+          </a:fontRef>
+        </p:style>
+      </p:cxnSp>
+      <p:sp>
+        <p:nvSpPr>
+          <p:cNvPr id="37" name="Rectangle 36"/>
+          <p:cNvSpPr/>
+          <p:nvPr/>
+        </p:nvSpPr>
+        <p:spPr>
+          <a:xfrm>
+            <a:off x="9459428" y="3452028"/>
+            <a:ext cx="1981200" cy="517451"/>
+          </a:xfrm>
+          <a:prstGeom prst="rect">
+            <a:avLst/>
+          </a:prstGeom>
+          <a:solidFill>
+            <a:schemeClr val="accent1">
+              <a:lumMod val="75000"/>
+            </a:schemeClr>
+          </a:solidFill>
+        </p:spPr>
+        <p:style>
+          <a:lnRef idx="2">
+            <a:schemeClr val="accent1">
+              <a:shade val="50000"/>
+            </a:schemeClr>
+          </a:lnRef>
+          <a:fillRef idx="1">
+            <a:schemeClr val="accent1"/>
+          </a:fillRef>
+          <a:effectRef idx="0">
+            <a:schemeClr val="accent1"/>
+          </a:effectRef>
+          <a:fontRef idx="minor">
+            <a:schemeClr val="lt1"/>
+          </a:fontRef>
+        </p:style>
+        <p:txBody>
+          <a:bodyPr rtlCol="0" anchor="t"/>
+          <a:lstStyle/>
+          <a:p>
+            <a:pPr algn="ctr"/>
+            <a:r>
+              <a:rPr lang="en-US" dirty="0"/>
+              <a:t>Security</a:t>
+            </a:r>
+          </a:p>
+        </p:txBody>
+      </p:sp>
     </p:spTree>
     <p:extLst>
       <p:ext uri="{BB962C8B-B14F-4D97-AF65-F5344CB8AC3E}">
